--- a/docs/_static/methodology_train_predict.pptx
+++ b/docs/_static/methodology_train_predict.pptx
@@ -2,14 +2,14 @@
 <file path=ppt/presentation.xml><?xml version="1.0" encoding="utf-8"?>
 <p:presentation xmlns:a="http://schemas.openxmlformats.org/drawingml/2006/main" xmlns:r="http://schemas.openxmlformats.org/officeDocument/2006/relationships" xmlns:p="http://schemas.openxmlformats.org/presentationml/2006/main" saveSubsetFonts="1">
   <p:sldMasterIdLst>
-    <p:sldMasterId id="2147483684" r:id="rId1"/>
+    <p:sldMasterId id="2147483732" r:id="rId1"/>
   </p:sldMasterIdLst>
   <p:sldIdLst>
     <p:sldId id="256" r:id="rId2"/>
     <p:sldId id="257" r:id="rId3"/>
     <p:sldId id="258" r:id="rId4"/>
   </p:sldIdLst>
-  <p:sldSz cx="15792450" cy="14417675"/>
+  <p:sldSz cx="14173200" cy="12617450"/>
   <p:notesSz cx="6858000" cy="9144000"/>
   <p:defaultTextStyle>
     <a:defPPr>
@@ -6064,15 +6064,15 @@
         </p:nvSpPr>
         <p:spPr>
           <a:xfrm>
-            <a:off x="1184434" y="2359560"/>
-            <a:ext cx="13423583" cy="5019487"/>
+            <a:off x="1062990" y="2064940"/>
+            <a:ext cx="12047220" cy="4392742"/>
           </a:xfrm>
         </p:spPr>
         <p:txBody>
           <a:bodyPr anchor="b"/>
           <a:lstStyle>
             <a:lvl1pPr algn="ctr">
-              <a:defRPr sz="10363"/>
+              <a:defRPr sz="9300"/>
             </a:lvl1pPr>
           </a:lstStyle>
           <a:p>
@@ -6096,8 +6096,8 @@
         </p:nvSpPr>
         <p:spPr>
           <a:xfrm>
-            <a:off x="1974056" y="7572618"/>
-            <a:ext cx="11844338" cy="3480933"/>
+            <a:off x="1771650" y="6627083"/>
+            <a:ext cx="10629900" cy="3046295"/>
           </a:xfrm>
         </p:spPr>
         <p:txBody>
@@ -6105,39 +6105,39 @@
           <a:lstStyle>
             <a:lvl1pPr marL="0" indent="0" algn="ctr">
               <a:buNone/>
-              <a:defRPr sz="4145"/>
+              <a:defRPr sz="3720"/>
             </a:lvl1pPr>
-            <a:lvl2pPr marL="789630" indent="0" algn="ctr">
+            <a:lvl2pPr marL="708660" indent="0" algn="ctr">
               <a:buNone/>
-              <a:defRPr sz="3454"/>
+              <a:defRPr sz="3100"/>
             </a:lvl2pPr>
-            <a:lvl3pPr marL="1579260" indent="0" algn="ctr">
+            <a:lvl3pPr marL="1417320" indent="0" algn="ctr">
               <a:buNone/>
-              <a:defRPr sz="3109"/>
+              <a:defRPr sz="2790"/>
             </a:lvl3pPr>
-            <a:lvl4pPr marL="2368890" indent="0" algn="ctr">
+            <a:lvl4pPr marL="2125980" indent="0" algn="ctr">
               <a:buNone/>
-              <a:defRPr sz="2763"/>
+              <a:defRPr sz="2480"/>
             </a:lvl4pPr>
-            <a:lvl5pPr marL="3158520" indent="0" algn="ctr">
+            <a:lvl5pPr marL="2834640" indent="0" algn="ctr">
               <a:buNone/>
-              <a:defRPr sz="2763"/>
+              <a:defRPr sz="2480"/>
             </a:lvl5pPr>
-            <a:lvl6pPr marL="3948151" indent="0" algn="ctr">
+            <a:lvl6pPr marL="3543300" indent="0" algn="ctr">
               <a:buNone/>
-              <a:defRPr sz="2763"/>
+              <a:defRPr sz="2480"/>
             </a:lvl6pPr>
-            <a:lvl7pPr marL="4737781" indent="0" algn="ctr">
+            <a:lvl7pPr marL="4251960" indent="0" algn="ctr">
               <a:buNone/>
-              <a:defRPr sz="2763"/>
+              <a:defRPr sz="2480"/>
             </a:lvl7pPr>
-            <a:lvl8pPr marL="5527411" indent="0" algn="ctr">
+            <a:lvl8pPr marL="4960620" indent="0" algn="ctr">
               <a:buNone/>
-              <a:defRPr sz="2763"/>
+              <a:defRPr sz="2480"/>
             </a:lvl8pPr>
-            <a:lvl9pPr marL="6317041" indent="0" algn="ctr">
+            <a:lvl9pPr marL="5669280" indent="0" algn="ctr">
               <a:buNone/>
-              <a:defRPr sz="2763"/>
+              <a:defRPr sz="2480"/>
             </a:lvl9pPr>
           </a:lstStyle>
           <a:p>
@@ -6166,7 +6166,7 @@
           <a:p>
             <a:fld id="{93C0CA34-0C57-4421-807A-B20CDBFF308E}" type="datetimeFigureOut">
               <a:rPr lang="nl-NL" smtClean="0"/>
-              <a:t>9-5-2023</a:t>
+              <a:t>11-5-2023</a:t>
             </a:fld>
             <a:endParaRPr lang="nl-NL"/>
           </a:p>
@@ -6208,7 +6208,7 @@
           <a:p>
             <a:fld id="{74E8DECF-4D38-4B39-8882-1F3439170746}" type="slidenum">
               <a:rPr lang="nl-NL" smtClean="0"/>
-              <a:t>‹#›</a:t>
+              <a:t>‹nr.›</a:t>
             </a:fld>
             <a:endParaRPr lang="nl-NL"/>
           </a:p>
@@ -6217,7 +6217,7 @@
     </p:spTree>
     <p:extLst>
       <p:ext uri="{BB962C8B-B14F-4D97-AF65-F5344CB8AC3E}">
-        <p14:creationId xmlns:p14="http://schemas.microsoft.com/office/powerpoint/2010/main" val="1373530266"/>
+        <p14:creationId xmlns:p14="http://schemas.microsoft.com/office/powerpoint/2010/main" val="792286982"/>
       </p:ext>
     </p:extLst>
   </p:cSld>
@@ -6336,7 +6336,7 @@
           <a:p>
             <a:fld id="{93C0CA34-0C57-4421-807A-B20CDBFF308E}" type="datetimeFigureOut">
               <a:rPr lang="nl-NL" smtClean="0"/>
-              <a:t>9-5-2023</a:t>
+              <a:t>11-5-2023</a:t>
             </a:fld>
             <a:endParaRPr lang="nl-NL"/>
           </a:p>
@@ -6378,7 +6378,7 @@
           <a:p>
             <a:fld id="{74E8DECF-4D38-4B39-8882-1F3439170746}" type="slidenum">
               <a:rPr lang="nl-NL" smtClean="0"/>
-              <a:t>‹#›</a:t>
+              <a:t>‹nr.›</a:t>
             </a:fld>
             <a:endParaRPr lang="nl-NL"/>
           </a:p>
@@ -6387,7 +6387,7 @@
     </p:spTree>
     <p:extLst>
       <p:ext uri="{BB962C8B-B14F-4D97-AF65-F5344CB8AC3E}">
-        <p14:creationId xmlns:p14="http://schemas.microsoft.com/office/powerpoint/2010/main" val="2745802344"/>
+        <p14:creationId xmlns:p14="http://schemas.microsoft.com/office/powerpoint/2010/main" val="1057945877"/>
       </p:ext>
     </p:extLst>
   </p:cSld>
@@ -6426,8 +6426,8 @@
         </p:nvSpPr>
         <p:spPr>
           <a:xfrm>
-            <a:off x="11301473" y="767608"/>
-            <a:ext cx="3405247" cy="12218313"/>
+            <a:off x="10142697" y="671762"/>
+            <a:ext cx="3056096" cy="10692706"/>
           </a:xfrm>
         </p:spPr>
         <p:txBody>
@@ -6454,8 +6454,8 @@
         </p:nvSpPr>
         <p:spPr>
           <a:xfrm>
-            <a:off x="1085732" y="767608"/>
-            <a:ext cx="10018335" cy="12218313"/>
+            <a:off x="974408" y="671762"/>
+            <a:ext cx="8991124" cy="10692706"/>
           </a:xfrm>
         </p:spPr>
         <p:txBody>
@@ -6516,7 +6516,7 @@
           <a:p>
             <a:fld id="{93C0CA34-0C57-4421-807A-B20CDBFF308E}" type="datetimeFigureOut">
               <a:rPr lang="nl-NL" smtClean="0"/>
-              <a:t>9-5-2023</a:t>
+              <a:t>11-5-2023</a:t>
             </a:fld>
             <a:endParaRPr lang="nl-NL"/>
           </a:p>
@@ -6558,7 +6558,7 @@
           <a:p>
             <a:fld id="{74E8DECF-4D38-4B39-8882-1F3439170746}" type="slidenum">
               <a:rPr lang="nl-NL" smtClean="0"/>
-              <a:t>‹#›</a:t>
+              <a:t>‹nr.›</a:t>
             </a:fld>
             <a:endParaRPr lang="nl-NL"/>
           </a:p>
@@ -6567,7 +6567,7 @@
     </p:spTree>
     <p:extLst>
       <p:ext uri="{BB962C8B-B14F-4D97-AF65-F5344CB8AC3E}">
-        <p14:creationId xmlns:p14="http://schemas.microsoft.com/office/powerpoint/2010/main" val="842049841"/>
+        <p14:creationId xmlns:p14="http://schemas.microsoft.com/office/powerpoint/2010/main" val="1135344378"/>
       </p:ext>
     </p:extLst>
   </p:cSld>
@@ -6686,7 +6686,7 @@
           <a:p>
             <a:fld id="{93C0CA34-0C57-4421-807A-B20CDBFF308E}" type="datetimeFigureOut">
               <a:rPr lang="nl-NL" smtClean="0"/>
-              <a:t>9-5-2023</a:t>
+              <a:t>11-5-2023</a:t>
             </a:fld>
             <a:endParaRPr lang="nl-NL"/>
           </a:p>
@@ -6728,7 +6728,7 @@
           <a:p>
             <a:fld id="{74E8DECF-4D38-4B39-8882-1F3439170746}" type="slidenum">
               <a:rPr lang="nl-NL" smtClean="0"/>
-              <a:t>‹#›</a:t>
+              <a:t>‹nr.›</a:t>
             </a:fld>
             <a:endParaRPr lang="nl-NL"/>
           </a:p>
@@ -6737,7 +6737,7 @@
     </p:spTree>
     <p:extLst>
       <p:ext uri="{BB962C8B-B14F-4D97-AF65-F5344CB8AC3E}">
-        <p14:creationId xmlns:p14="http://schemas.microsoft.com/office/powerpoint/2010/main" val="4047818558"/>
+        <p14:creationId xmlns:p14="http://schemas.microsoft.com/office/powerpoint/2010/main" val="3056847967"/>
       </p:ext>
     </p:extLst>
   </p:cSld>
@@ -6776,15 +6776,15 @@
         </p:nvSpPr>
         <p:spPr>
           <a:xfrm>
-            <a:off x="1077507" y="3594411"/>
-            <a:ext cx="13620988" cy="5997351"/>
+            <a:off x="967026" y="3145604"/>
+            <a:ext cx="12224385" cy="5248508"/>
           </a:xfrm>
         </p:spPr>
         <p:txBody>
           <a:bodyPr anchor="b"/>
           <a:lstStyle>
             <a:lvl1pPr>
-              <a:defRPr sz="10363"/>
+              <a:defRPr sz="9300"/>
             </a:lvl1pPr>
           </a:lstStyle>
           <a:p>
@@ -6808,8 +6808,8 @@
         </p:nvSpPr>
         <p:spPr>
           <a:xfrm>
-            <a:off x="1077507" y="9648499"/>
-            <a:ext cx="13620988" cy="3153865"/>
+            <a:off x="967026" y="8443765"/>
+            <a:ext cx="12224385" cy="2760066"/>
           </a:xfrm>
         </p:spPr>
         <p:txBody>
@@ -6817,15 +6817,15 @@
           <a:lstStyle>
             <a:lvl1pPr marL="0" indent="0">
               <a:buNone/>
-              <a:defRPr sz="4145">
+              <a:defRPr sz="3720">
                 <a:solidFill>
                   <a:schemeClr val="tx1"/>
                 </a:solidFill>
               </a:defRPr>
             </a:lvl1pPr>
-            <a:lvl2pPr marL="789630" indent="0">
+            <a:lvl2pPr marL="708660" indent="0">
               <a:buNone/>
-              <a:defRPr sz="3454">
+              <a:defRPr sz="3100">
                 <a:solidFill>
                   <a:schemeClr val="tx1">
                     <a:tint val="75000"/>
@@ -6833,9 +6833,9 @@
                 </a:solidFill>
               </a:defRPr>
             </a:lvl2pPr>
-            <a:lvl3pPr marL="1579260" indent="0">
+            <a:lvl3pPr marL="1417320" indent="0">
               <a:buNone/>
-              <a:defRPr sz="3109">
+              <a:defRPr sz="2790">
                 <a:solidFill>
                   <a:schemeClr val="tx1">
                     <a:tint val="75000"/>
@@ -6843,9 +6843,9 @@
                 </a:solidFill>
               </a:defRPr>
             </a:lvl3pPr>
-            <a:lvl4pPr marL="2368890" indent="0">
+            <a:lvl4pPr marL="2125980" indent="0">
               <a:buNone/>
-              <a:defRPr sz="2763">
+              <a:defRPr sz="2480">
                 <a:solidFill>
                   <a:schemeClr val="tx1">
                     <a:tint val="75000"/>
@@ -6853,9 +6853,9 @@
                 </a:solidFill>
               </a:defRPr>
             </a:lvl4pPr>
-            <a:lvl5pPr marL="3158520" indent="0">
+            <a:lvl5pPr marL="2834640" indent="0">
               <a:buNone/>
-              <a:defRPr sz="2763">
+              <a:defRPr sz="2480">
                 <a:solidFill>
                   <a:schemeClr val="tx1">
                     <a:tint val="75000"/>
@@ -6863,9 +6863,9 @@
                 </a:solidFill>
               </a:defRPr>
             </a:lvl5pPr>
-            <a:lvl6pPr marL="3948151" indent="0">
+            <a:lvl6pPr marL="3543300" indent="0">
               <a:buNone/>
-              <a:defRPr sz="2763">
+              <a:defRPr sz="2480">
                 <a:solidFill>
                   <a:schemeClr val="tx1">
                     <a:tint val="75000"/>
@@ -6873,9 +6873,9 @@
                 </a:solidFill>
               </a:defRPr>
             </a:lvl6pPr>
-            <a:lvl7pPr marL="4737781" indent="0">
+            <a:lvl7pPr marL="4251960" indent="0">
               <a:buNone/>
-              <a:defRPr sz="2763">
+              <a:defRPr sz="2480">
                 <a:solidFill>
                   <a:schemeClr val="tx1">
                     <a:tint val="75000"/>
@@ -6883,9 +6883,9 @@
                 </a:solidFill>
               </a:defRPr>
             </a:lvl7pPr>
-            <a:lvl8pPr marL="5527411" indent="0">
+            <a:lvl8pPr marL="4960620" indent="0">
               <a:buNone/>
-              <a:defRPr sz="2763">
+              <a:defRPr sz="2480">
                 <a:solidFill>
                   <a:schemeClr val="tx1">
                     <a:tint val="75000"/>
@@ -6893,9 +6893,9 @@
                 </a:solidFill>
               </a:defRPr>
             </a:lvl8pPr>
-            <a:lvl9pPr marL="6317041" indent="0">
+            <a:lvl9pPr marL="5669280" indent="0">
               <a:buNone/>
-              <a:defRPr sz="2763">
+              <a:defRPr sz="2480">
                 <a:solidFill>
                   <a:schemeClr val="tx1">
                     <a:tint val="75000"/>
@@ -6930,7 +6930,7 @@
           <a:p>
             <a:fld id="{93C0CA34-0C57-4421-807A-B20CDBFF308E}" type="datetimeFigureOut">
               <a:rPr lang="nl-NL" smtClean="0"/>
-              <a:t>9-5-2023</a:t>
+              <a:t>11-5-2023</a:t>
             </a:fld>
             <a:endParaRPr lang="nl-NL"/>
           </a:p>
@@ -6972,7 +6972,7 @@
           <a:p>
             <a:fld id="{74E8DECF-4D38-4B39-8882-1F3439170746}" type="slidenum">
               <a:rPr lang="nl-NL" smtClean="0"/>
-              <a:t>‹#›</a:t>
+              <a:t>‹nr.›</a:t>
             </a:fld>
             <a:endParaRPr lang="nl-NL"/>
           </a:p>
@@ -6981,7 +6981,7 @@
     </p:spTree>
     <p:extLst>
       <p:ext uri="{BB962C8B-B14F-4D97-AF65-F5344CB8AC3E}">
-        <p14:creationId xmlns:p14="http://schemas.microsoft.com/office/powerpoint/2010/main" val="4148780401"/>
+        <p14:creationId xmlns:p14="http://schemas.microsoft.com/office/powerpoint/2010/main" val="2515894222"/>
       </p:ext>
     </p:extLst>
   </p:cSld>
@@ -7043,8 +7043,8 @@
         </p:nvSpPr>
         <p:spPr>
           <a:xfrm>
-            <a:off x="1085731" y="3838039"/>
-            <a:ext cx="6711791" cy="9147882"/>
+            <a:off x="974408" y="3358812"/>
+            <a:ext cx="6023610" cy="8005656"/>
           </a:xfrm>
         </p:spPr>
         <p:txBody>
@@ -7100,8 +7100,8 @@
         </p:nvSpPr>
         <p:spPr>
           <a:xfrm>
-            <a:off x="7994928" y="3838039"/>
-            <a:ext cx="6711791" cy="9147882"/>
+            <a:off x="7175183" y="3358812"/>
+            <a:ext cx="6023610" cy="8005656"/>
           </a:xfrm>
         </p:spPr>
         <p:txBody>
@@ -7162,7 +7162,7 @@
           <a:p>
             <a:fld id="{93C0CA34-0C57-4421-807A-B20CDBFF308E}" type="datetimeFigureOut">
               <a:rPr lang="nl-NL" smtClean="0"/>
-              <a:t>9-5-2023</a:t>
+              <a:t>11-5-2023</a:t>
             </a:fld>
             <a:endParaRPr lang="nl-NL"/>
           </a:p>
@@ -7204,7 +7204,7 @@
           <a:p>
             <a:fld id="{74E8DECF-4D38-4B39-8882-1F3439170746}" type="slidenum">
               <a:rPr lang="nl-NL" smtClean="0"/>
-              <a:t>‹#›</a:t>
+              <a:t>‹nr.›</a:t>
             </a:fld>
             <a:endParaRPr lang="nl-NL"/>
           </a:p>
@@ -7213,7 +7213,7 @@
     </p:spTree>
     <p:extLst>
       <p:ext uri="{BB962C8B-B14F-4D97-AF65-F5344CB8AC3E}">
-        <p14:creationId xmlns:p14="http://schemas.microsoft.com/office/powerpoint/2010/main" val="508032909"/>
+        <p14:creationId xmlns:p14="http://schemas.microsoft.com/office/powerpoint/2010/main" val="1183229981"/>
       </p:ext>
     </p:extLst>
   </p:cSld>
@@ -7252,8 +7252,8 @@
         </p:nvSpPr>
         <p:spPr>
           <a:xfrm>
-            <a:off x="1087788" y="767611"/>
-            <a:ext cx="13620988" cy="2786751"/>
+            <a:off x="976254" y="671765"/>
+            <a:ext cx="12224385" cy="2438790"/>
           </a:xfrm>
         </p:spPr>
         <p:txBody>
@@ -7280,8 +7280,8 @@
         </p:nvSpPr>
         <p:spPr>
           <a:xfrm>
-            <a:off x="1087789" y="3534334"/>
-            <a:ext cx="6680946" cy="1732122"/>
+            <a:off x="976255" y="3093028"/>
+            <a:ext cx="5995927" cy="1515846"/>
           </a:xfrm>
         </p:spPr>
         <p:txBody>
@@ -7289,39 +7289,39 @@
           <a:lstStyle>
             <a:lvl1pPr marL="0" indent="0">
               <a:buNone/>
-              <a:defRPr sz="4145" b="1"/>
+              <a:defRPr sz="3720" b="1"/>
             </a:lvl1pPr>
-            <a:lvl2pPr marL="789630" indent="0">
+            <a:lvl2pPr marL="708660" indent="0">
               <a:buNone/>
-              <a:defRPr sz="3454" b="1"/>
+              <a:defRPr sz="3100" b="1"/>
             </a:lvl2pPr>
-            <a:lvl3pPr marL="1579260" indent="0">
+            <a:lvl3pPr marL="1417320" indent="0">
               <a:buNone/>
-              <a:defRPr sz="3109" b="1"/>
+              <a:defRPr sz="2790" b="1"/>
             </a:lvl3pPr>
-            <a:lvl4pPr marL="2368890" indent="0">
+            <a:lvl4pPr marL="2125980" indent="0">
               <a:buNone/>
-              <a:defRPr sz="2763" b="1"/>
+              <a:defRPr sz="2480" b="1"/>
             </a:lvl4pPr>
-            <a:lvl5pPr marL="3158520" indent="0">
+            <a:lvl5pPr marL="2834640" indent="0">
               <a:buNone/>
-              <a:defRPr sz="2763" b="1"/>
+              <a:defRPr sz="2480" b="1"/>
             </a:lvl5pPr>
-            <a:lvl6pPr marL="3948151" indent="0">
+            <a:lvl6pPr marL="3543300" indent="0">
               <a:buNone/>
-              <a:defRPr sz="2763" b="1"/>
+              <a:defRPr sz="2480" b="1"/>
             </a:lvl6pPr>
-            <a:lvl7pPr marL="4737781" indent="0">
+            <a:lvl7pPr marL="4251960" indent="0">
               <a:buNone/>
-              <a:defRPr sz="2763" b="1"/>
+              <a:defRPr sz="2480" b="1"/>
             </a:lvl7pPr>
-            <a:lvl8pPr marL="5527411" indent="0">
+            <a:lvl8pPr marL="4960620" indent="0">
               <a:buNone/>
-              <a:defRPr sz="2763" b="1"/>
+              <a:defRPr sz="2480" b="1"/>
             </a:lvl8pPr>
-            <a:lvl9pPr marL="6317041" indent="0">
+            <a:lvl9pPr marL="5669280" indent="0">
               <a:buNone/>
-              <a:defRPr sz="2763" b="1"/>
+              <a:defRPr sz="2480" b="1"/>
             </a:lvl9pPr>
           </a:lstStyle>
           <a:p>
@@ -7345,8 +7345,8 @@
         </p:nvSpPr>
         <p:spPr>
           <a:xfrm>
-            <a:off x="1087789" y="5266456"/>
-            <a:ext cx="6680946" cy="7746164"/>
+            <a:off x="976255" y="4608874"/>
+            <a:ext cx="5995927" cy="6778960"/>
           </a:xfrm>
         </p:spPr>
         <p:txBody>
@@ -7402,8 +7402,8 @@
         </p:nvSpPr>
         <p:spPr>
           <a:xfrm>
-            <a:off x="7994929" y="3534334"/>
-            <a:ext cx="6713848" cy="1732122"/>
+            <a:off x="7175183" y="3093028"/>
+            <a:ext cx="6025456" cy="1515846"/>
           </a:xfrm>
         </p:spPr>
         <p:txBody>
@@ -7411,39 +7411,39 @@
           <a:lstStyle>
             <a:lvl1pPr marL="0" indent="0">
               <a:buNone/>
-              <a:defRPr sz="4145" b="1"/>
+              <a:defRPr sz="3720" b="1"/>
             </a:lvl1pPr>
-            <a:lvl2pPr marL="789630" indent="0">
+            <a:lvl2pPr marL="708660" indent="0">
               <a:buNone/>
-              <a:defRPr sz="3454" b="1"/>
+              <a:defRPr sz="3100" b="1"/>
             </a:lvl2pPr>
-            <a:lvl3pPr marL="1579260" indent="0">
+            <a:lvl3pPr marL="1417320" indent="0">
               <a:buNone/>
-              <a:defRPr sz="3109" b="1"/>
+              <a:defRPr sz="2790" b="1"/>
             </a:lvl3pPr>
-            <a:lvl4pPr marL="2368890" indent="0">
+            <a:lvl4pPr marL="2125980" indent="0">
               <a:buNone/>
-              <a:defRPr sz="2763" b="1"/>
+              <a:defRPr sz="2480" b="1"/>
             </a:lvl4pPr>
-            <a:lvl5pPr marL="3158520" indent="0">
+            <a:lvl5pPr marL="2834640" indent="0">
               <a:buNone/>
-              <a:defRPr sz="2763" b="1"/>
+              <a:defRPr sz="2480" b="1"/>
             </a:lvl5pPr>
-            <a:lvl6pPr marL="3948151" indent="0">
+            <a:lvl6pPr marL="3543300" indent="0">
               <a:buNone/>
-              <a:defRPr sz="2763" b="1"/>
+              <a:defRPr sz="2480" b="1"/>
             </a:lvl6pPr>
-            <a:lvl7pPr marL="4737781" indent="0">
+            <a:lvl7pPr marL="4251960" indent="0">
               <a:buNone/>
-              <a:defRPr sz="2763" b="1"/>
+              <a:defRPr sz="2480" b="1"/>
             </a:lvl7pPr>
-            <a:lvl8pPr marL="5527411" indent="0">
+            <a:lvl8pPr marL="4960620" indent="0">
               <a:buNone/>
-              <a:defRPr sz="2763" b="1"/>
+              <a:defRPr sz="2480" b="1"/>
             </a:lvl8pPr>
-            <a:lvl9pPr marL="6317041" indent="0">
+            <a:lvl9pPr marL="5669280" indent="0">
               <a:buNone/>
-              <a:defRPr sz="2763" b="1"/>
+              <a:defRPr sz="2480" b="1"/>
             </a:lvl9pPr>
           </a:lstStyle>
           <a:p>
@@ -7467,8 +7467,8 @@
         </p:nvSpPr>
         <p:spPr>
           <a:xfrm>
-            <a:off x="7994929" y="5266456"/>
-            <a:ext cx="6713848" cy="7746164"/>
+            <a:off x="7175183" y="4608874"/>
+            <a:ext cx="6025456" cy="6778960"/>
           </a:xfrm>
         </p:spPr>
         <p:txBody>
@@ -7529,7 +7529,7 @@
           <a:p>
             <a:fld id="{93C0CA34-0C57-4421-807A-B20CDBFF308E}" type="datetimeFigureOut">
               <a:rPr lang="nl-NL" smtClean="0"/>
-              <a:t>9-5-2023</a:t>
+              <a:t>11-5-2023</a:t>
             </a:fld>
             <a:endParaRPr lang="nl-NL"/>
           </a:p>
@@ -7571,7 +7571,7 @@
           <a:p>
             <a:fld id="{74E8DECF-4D38-4B39-8882-1F3439170746}" type="slidenum">
               <a:rPr lang="nl-NL" smtClean="0"/>
-              <a:t>‹#›</a:t>
+              <a:t>‹nr.›</a:t>
             </a:fld>
             <a:endParaRPr lang="nl-NL"/>
           </a:p>
@@ -7580,7 +7580,7 @@
     </p:spTree>
     <p:extLst>
       <p:ext uri="{BB962C8B-B14F-4D97-AF65-F5344CB8AC3E}">
-        <p14:creationId xmlns:p14="http://schemas.microsoft.com/office/powerpoint/2010/main" val="3985224011"/>
+        <p14:creationId xmlns:p14="http://schemas.microsoft.com/office/powerpoint/2010/main" val="4035277881"/>
       </p:ext>
     </p:extLst>
   </p:cSld>
@@ -7647,7 +7647,7 @@
           <a:p>
             <a:fld id="{93C0CA34-0C57-4421-807A-B20CDBFF308E}" type="datetimeFigureOut">
               <a:rPr lang="nl-NL" smtClean="0"/>
-              <a:t>9-5-2023</a:t>
+              <a:t>11-5-2023</a:t>
             </a:fld>
             <a:endParaRPr lang="nl-NL"/>
           </a:p>
@@ -7689,7 +7689,7 @@
           <a:p>
             <a:fld id="{74E8DECF-4D38-4B39-8882-1F3439170746}" type="slidenum">
               <a:rPr lang="nl-NL" smtClean="0"/>
-              <a:t>‹#›</a:t>
+              <a:t>‹nr.›</a:t>
             </a:fld>
             <a:endParaRPr lang="nl-NL"/>
           </a:p>
@@ -7698,7 +7698,7 @@
     </p:spTree>
     <p:extLst>
       <p:ext uri="{BB962C8B-B14F-4D97-AF65-F5344CB8AC3E}">
-        <p14:creationId xmlns:p14="http://schemas.microsoft.com/office/powerpoint/2010/main" val="3403517575"/>
+        <p14:creationId xmlns:p14="http://schemas.microsoft.com/office/powerpoint/2010/main" val="3570084792"/>
       </p:ext>
     </p:extLst>
   </p:cSld>
@@ -7742,7 +7742,7 @@
           <a:p>
             <a:fld id="{93C0CA34-0C57-4421-807A-B20CDBFF308E}" type="datetimeFigureOut">
               <a:rPr lang="nl-NL" smtClean="0"/>
-              <a:t>9-5-2023</a:t>
+              <a:t>11-5-2023</a:t>
             </a:fld>
             <a:endParaRPr lang="nl-NL"/>
           </a:p>
@@ -7784,7 +7784,7 @@
           <a:p>
             <a:fld id="{74E8DECF-4D38-4B39-8882-1F3439170746}" type="slidenum">
               <a:rPr lang="nl-NL" smtClean="0"/>
-              <a:t>‹#›</a:t>
+              <a:t>‹nr.›</a:t>
             </a:fld>
             <a:endParaRPr lang="nl-NL"/>
           </a:p>
@@ -7793,7 +7793,7 @@
     </p:spTree>
     <p:extLst>
       <p:ext uri="{BB962C8B-B14F-4D97-AF65-F5344CB8AC3E}">
-        <p14:creationId xmlns:p14="http://schemas.microsoft.com/office/powerpoint/2010/main" val="33936680"/>
+        <p14:creationId xmlns:p14="http://schemas.microsoft.com/office/powerpoint/2010/main" val="1681820314"/>
       </p:ext>
     </p:extLst>
   </p:cSld>
@@ -7832,15 +7832,15 @@
         </p:nvSpPr>
         <p:spPr>
           <a:xfrm>
-            <a:off x="1087788" y="961178"/>
-            <a:ext cx="5093476" cy="3364124"/>
+            <a:off x="976254" y="841163"/>
+            <a:ext cx="4571226" cy="2944072"/>
           </a:xfrm>
         </p:spPr>
         <p:txBody>
           <a:bodyPr anchor="b"/>
           <a:lstStyle>
             <a:lvl1pPr>
-              <a:defRPr sz="5527"/>
+              <a:defRPr sz="4960"/>
             </a:lvl1pPr>
           </a:lstStyle>
           <a:p>
@@ -7864,39 +7864,39 @@
         </p:nvSpPr>
         <p:spPr>
           <a:xfrm>
-            <a:off x="6713848" y="2075881"/>
-            <a:ext cx="7994928" cy="10245894"/>
+            <a:off x="6025456" y="1816682"/>
+            <a:ext cx="7175183" cy="8966567"/>
           </a:xfrm>
         </p:spPr>
         <p:txBody>
           <a:bodyPr/>
           <a:lstStyle>
             <a:lvl1pPr>
-              <a:defRPr sz="5527"/>
+              <a:defRPr sz="4960"/>
             </a:lvl1pPr>
             <a:lvl2pPr>
-              <a:defRPr sz="4836"/>
+              <a:defRPr sz="4340"/>
             </a:lvl2pPr>
             <a:lvl3pPr>
-              <a:defRPr sz="4145"/>
+              <a:defRPr sz="3720"/>
             </a:lvl3pPr>
             <a:lvl4pPr>
-              <a:defRPr sz="3454"/>
+              <a:defRPr sz="3100"/>
             </a:lvl4pPr>
             <a:lvl5pPr>
-              <a:defRPr sz="3454"/>
+              <a:defRPr sz="3100"/>
             </a:lvl5pPr>
             <a:lvl6pPr>
-              <a:defRPr sz="3454"/>
+              <a:defRPr sz="3100"/>
             </a:lvl6pPr>
             <a:lvl7pPr>
-              <a:defRPr sz="3454"/>
+              <a:defRPr sz="3100"/>
             </a:lvl7pPr>
             <a:lvl8pPr>
-              <a:defRPr sz="3454"/>
+              <a:defRPr sz="3100"/>
             </a:lvl8pPr>
             <a:lvl9pPr>
-              <a:defRPr sz="3454"/>
+              <a:defRPr sz="3100"/>
             </a:lvl9pPr>
           </a:lstStyle>
           <a:p>
@@ -7949,8 +7949,8 @@
         </p:nvSpPr>
         <p:spPr>
           <a:xfrm>
-            <a:off x="1087788" y="4325302"/>
-            <a:ext cx="5093476" cy="8013158"/>
+            <a:off x="976254" y="3785235"/>
+            <a:ext cx="4571226" cy="7012616"/>
           </a:xfrm>
         </p:spPr>
         <p:txBody>
@@ -7958,39 +7958,39 @@
           <a:lstStyle>
             <a:lvl1pPr marL="0" indent="0">
               <a:buNone/>
-              <a:defRPr sz="2763"/>
+              <a:defRPr sz="2480"/>
             </a:lvl1pPr>
-            <a:lvl2pPr marL="789630" indent="0">
+            <a:lvl2pPr marL="708660" indent="0">
               <a:buNone/>
-              <a:defRPr sz="2418"/>
+              <a:defRPr sz="2170"/>
             </a:lvl2pPr>
-            <a:lvl3pPr marL="1579260" indent="0">
+            <a:lvl3pPr marL="1417320" indent="0">
               <a:buNone/>
-              <a:defRPr sz="2073"/>
+              <a:defRPr sz="1860"/>
             </a:lvl3pPr>
-            <a:lvl4pPr marL="2368890" indent="0">
+            <a:lvl4pPr marL="2125980" indent="0">
               <a:buNone/>
-              <a:defRPr sz="1727"/>
+              <a:defRPr sz="1550"/>
             </a:lvl4pPr>
-            <a:lvl5pPr marL="3158520" indent="0">
+            <a:lvl5pPr marL="2834640" indent="0">
               <a:buNone/>
-              <a:defRPr sz="1727"/>
+              <a:defRPr sz="1550"/>
             </a:lvl5pPr>
-            <a:lvl6pPr marL="3948151" indent="0">
+            <a:lvl6pPr marL="3543300" indent="0">
               <a:buNone/>
-              <a:defRPr sz="1727"/>
+              <a:defRPr sz="1550"/>
             </a:lvl6pPr>
-            <a:lvl7pPr marL="4737781" indent="0">
+            <a:lvl7pPr marL="4251960" indent="0">
               <a:buNone/>
-              <a:defRPr sz="1727"/>
+              <a:defRPr sz="1550"/>
             </a:lvl7pPr>
-            <a:lvl8pPr marL="5527411" indent="0">
+            <a:lvl8pPr marL="4960620" indent="0">
               <a:buNone/>
-              <a:defRPr sz="1727"/>
+              <a:defRPr sz="1550"/>
             </a:lvl8pPr>
-            <a:lvl9pPr marL="6317041" indent="0">
+            <a:lvl9pPr marL="5669280" indent="0">
               <a:buNone/>
-              <a:defRPr sz="1727"/>
+              <a:defRPr sz="1550"/>
             </a:lvl9pPr>
           </a:lstStyle>
           <a:p>
@@ -8019,7 +8019,7 @@
           <a:p>
             <a:fld id="{93C0CA34-0C57-4421-807A-B20CDBFF308E}" type="datetimeFigureOut">
               <a:rPr lang="nl-NL" smtClean="0"/>
-              <a:t>9-5-2023</a:t>
+              <a:t>11-5-2023</a:t>
             </a:fld>
             <a:endParaRPr lang="nl-NL"/>
           </a:p>
@@ -8061,7 +8061,7 @@
           <a:p>
             <a:fld id="{74E8DECF-4D38-4B39-8882-1F3439170746}" type="slidenum">
               <a:rPr lang="nl-NL" smtClean="0"/>
-              <a:t>‹#›</a:t>
+              <a:t>‹nr.›</a:t>
             </a:fld>
             <a:endParaRPr lang="nl-NL"/>
           </a:p>
@@ -8070,7 +8070,7 @@
     </p:spTree>
     <p:extLst>
       <p:ext uri="{BB962C8B-B14F-4D97-AF65-F5344CB8AC3E}">
-        <p14:creationId xmlns:p14="http://schemas.microsoft.com/office/powerpoint/2010/main" val="289517408"/>
+        <p14:creationId xmlns:p14="http://schemas.microsoft.com/office/powerpoint/2010/main" val="2429976017"/>
       </p:ext>
     </p:extLst>
   </p:cSld>
@@ -8109,15 +8109,15 @@
         </p:nvSpPr>
         <p:spPr>
           <a:xfrm>
-            <a:off x="1087788" y="961178"/>
-            <a:ext cx="5093476" cy="3364124"/>
+            <a:off x="976254" y="841163"/>
+            <a:ext cx="4571226" cy="2944072"/>
           </a:xfrm>
         </p:spPr>
         <p:txBody>
           <a:bodyPr anchor="b"/>
           <a:lstStyle>
             <a:lvl1pPr>
-              <a:defRPr sz="5527"/>
+              <a:defRPr sz="4960"/>
             </a:lvl1pPr>
           </a:lstStyle>
           <a:p>
@@ -8141,8 +8141,8 @@
         </p:nvSpPr>
         <p:spPr>
           <a:xfrm>
-            <a:off x="6713848" y="2075881"/>
-            <a:ext cx="7994928" cy="10245894"/>
+            <a:off x="6025456" y="1816682"/>
+            <a:ext cx="7175183" cy="8966567"/>
           </a:xfrm>
         </p:spPr>
         <p:txBody>
@@ -8150,39 +8150,39 @@
           <a:lstStyle>
             <a:lvl1pPr marL="0" indent="0">
               <a:buNone/>
-              <a:defRPr sz="5527"/>
+              <a:defRPr sz="4960"/>
             </a:lvl1pPr>
-            <a:lvl2pPr marL="789630" indent="0">
+            <a:lvl2pPr marL="708660" indent="0">
               <a:buNone/>
-              <a:defRPr sz="4836"/>
+              <a:defRPr sz="4340"/>
             </a:lvl2pPr>
-            <a:lvl3pPr marL="1579260" indent="0">
+            <a:lvl3pPr marL="1417320" indent="0">
               <a:buNone/>
-              <a:defRPr sz="4145"/>
+              <a:defRPr sz="3720"/>
             </a:lvl3pPr>
-            <a:lvl4pPr marL="2368890" indent="0">
+            <a:lvl4pPr marL="2125980" indent="0">
               <a:buNone/>
-              <a:defRPr sz="3454"/>
+              <a:defRPr sz="3100"/>
             </a:lvl4pPr>
-            <a:lvl5pPr marL="3158520" indent="0">
+            <a:lvl5pPr marL="2834640" indent="0">
               <a:buNone/>
-              <a:defRPr sz="3454"/>
+              <a:defRPr sz="3100"/>
             </a:lvl5pPr>
-            <a:lvl6pPr marL="3948151" indent="0">
+            <a:lvl6pPr marL="3543300" indent="0">
               <a:buNone/>
-              <a:defRPr sz="3454"/>
+              <a:defRPr sz="3100"/>
             </a:lvl6pPr>
-            <a:lvl7pPr marL="4737781" indent="0">
+            <a:lvl7pPr marL="4251960" indent="0">
               <a:buNone/>
-              <a:defRPr sz="3454"/>
+              <a:defRPr sz="3100"/>
             </a:lvl7pPr>
-            <a:lvl8pPr marL="5527411" indent="0">
+            <a:lvl8pPr marL="4960620" indent="0">
               <a:buNone/>
-              <a:defRPr sz="3454"/>
+              <a:defRPr sz="3100"/>
             </a:lvl8pPr>
-            <a:lvl9pPr marL="6317041" indent="0">
+            <a:lvl9pPr marL="5669280" indent="0">
               <a:buNone/>
-              <a:defRPr sz="3454"/>
+              <a:defRPr sz="3100"/>
             </a:lvl9pPr>
           </a:lstStyle>
           <a:p>
@@ -8206,8 +8206,8 @@
         </p:nvSpPr>
         <p:spPr>
           <a:xfrm>
-            <a:off x="1087788" y="4325302"/>
-            <a:ext cx="5093476" cy="8013158"/>
+            <a:off x="976254" y="3785235"/>
+            <a:ext cx="4571226" cy="7012616"/>
           </a:xfrm>
         </p:spPr>
         <p:txBody>
@@ -8215,39 +8215,39 @@
           <a:lstStyle>
             <a:lvl1pPr marL="0" indent="0">
               <a:buNone/>
-              <a:defRPr sz="2763"/>
+              <a:defRPr sz="2480"/>
             </a:lvl1pPr>
-            <a:lvl2pPr marL="789630" indent="0">
+            <a:lvl2pPr marL="708660" indent="0">
               <a:buNone/>
-              <a:defRPr sz="2418"/>
+              <a:defRPr sz="2170"/>
             </a:lvl2pPr>
-            <a:lvl3pPr marL="1579260" indent="0">
+            <a:lvl3pPr marL="1417320" indent="0">
               <a:buNone/>
-              <a:defRPr sz="2073"/>
+              <a:defRPr sz="1860"/>
             </a:lvl3pPr>
-            <a:lvl4pPr marL="2368890" indent="0">
+            <a:lvl4pPr marL="2125980" indent="0">
               <a:buNone/>
-              <a:defRPr sz="1727"/>
+              <a:defRPr sz="1550"/>
             </a:lvl4pPr>
-            <a:lvl5pPr marL="3158520" indent="0">
+            <a:lvl5pPr marL="2834640" indent="0">
               <a:buNone/>
-              <a:defRPr sz="1727"/>
+              <a:defRPr sz="1550"/>
             </a:lvl5pPr>
-            <a:lvl6pPr marL="3948151" indent="0">
+            <a:lvl6pPr marL="3543300" indent="0">
               <a:buNone/>
-              <a:defRPr sz="1727"/>
+              <a:defRPr sz="1550"/>
             </a:lvl6pPr>
-            <a:lvl7pPr marL="4737781" indent="0">
+            <a:lvl7pPr marL="4251960" indent="0">
               <a:buNone/>
-              <a:defRPr sz="1727"/>
+              <a:defRPr sz="1550"/>
             </a:lvl7pPr>
-            <a:lvl8pPr marL="5527411" indent="0">
+            <a:lvl8pPr marL="4960620" indent="0">
               <a:buNone/>
-              <a:defRPr sz="1727"/>
+              <a:defRPr sz="1550"/>
             </a:lvl8pPr>
-            <a:lvl9pPr marL="6317041" indent="0">
+            <a:lvl9pPr marL="5669280" indent="0">
               <a:buNone/>
-              <a:defRPr sz="1727"/>
+              <a:defRPr sz="1550"/>
             </a:lvl9pPr>
           </a:lstStyle>
           <a:p>
@@ -8276,7 +8276,7 @@
           <a:p>
             <a:fld id="{93C0CA34-0C57-4421-807A-B20CDBFF308E}" type="datetimeFigureOut">
               <a:rPr lang="nl-NL" smtClean="0"/>
-              <a:t>9-5-2023</a:t>
+              <a:t>11-5-2023</a:t>
             </a:fld>
             <a:endParaRPr lang="nl-NL"/>
           </a:p>
@@ -8318,7 +8318,7 @@
           <a:p>
             <a:fld id="{74E8DECF-4D38-4B39-8882-1F3439170746}" type="slidenum">
               <a:rPr lang="nl-NL" smtClean="0"/>
-              <a:t>‹#›</a:t>
+              <a:t>‹nr.›</a:t>
             </a:fld>
             <a:endParaRPr lang="nl-NL"/>
           </a:p>
@@ -8327,7 +8327,7 @@
     </p:spTree>
     <p:extLst>
       <p:ext uri="{BB962C8B-B14F-4D97-AF65-F5344CB8AC3E}">
-        <p14:creationId xmlns:p14="http://schemas.microsoft.com/office/powerpoint/2010/main" val="2881787968"/>
+        <p14:creationId xmlns:p14="http://schemas.microsoft.com/office/powerpoint/2010/main" val="3692006573"/>
       </p:ext>
     </p:extLst>
   </p:cSld>
@@ -8371,8 +8371,8 @@
         </p:nvSpPr>
         <p:spPr>
           <a:xfrm>
-            <a:off x="1085731" y="767611"/>
-            <a:ext cx="13620988" cy="2786751"/>
+            <a:off x="974408" y="671765"/>
+            <a:ext cx="12224385" cy="2438790"/>
           </a:xfrm>
           <a:prstGeom prst="rect">
             <a:avLst/>
@@ -8404,8 +8404,8 @@
         </p:nvSpPr>
         <p:spPr>
           <a:xfrm>
-            <a:off x="1085731" y="3838039"/>
-            <a:ext cx="13620988" cy="9147882"/>
+            <a:off x="974408" y="3358812"/>
+            <a:ext cx="12224385" cy="8005656"/>
           </a:xfrm>
           <a:prstGeom prst="rect">
             <a:avLst/>
@@ -8466,8 +8466,8 @@
         </p:nvSpPr>
         <p:spPr>
           <a:xfrm>
-            <a:off x="1085731" y="13363052"/>
-            <a:ext cx="3553301" cy="767608"/>
+            <a:off x="974408" y="11694510"/>
+            <a:ext cx="3188970" cy="671762"/>
           </a:xfrm>
           <a:prstGeom prst="rect">
             <a:avLst/>
@@ -8477,7 +8477,7 @@
           <a:bodyPr vert="horz" lIns="91440" tIns="45720" rIns="91440" bIns="45720" rtlCol="0" anchor="ctr"/>
           <a:lstStyle>
             <a:lvl1pPr algn="l">
-              <a:defRPr sz="2073">
+              <a:defRPr sz="1860">
                 <a:solidFill>
                   <a:schemeClr val="tx1">
                     <a:tint val="75000"/>
@@ -8489,7 +8489,7 @@
           <a:p>
             <a:fld id="{93C0CA34-0C57-4421-807A-B20CDBFF308E}" type="datetimeFigureOut">
               <a:rPr lang="nl-NL" smtClean="0"/>
-              <a:t>9-5-2023</a:t>
+              <a:t>11-5-2023</a:t>
             </a:fld>
             <a:endParaRPr lang="nl-NL"/>
           </a:p>
@@ -8507,8 +8507,8 @@
         </p:nvSpPr>
         <p:spPr>
           <a:xfrm>
-            <a:off x="5231249" y="13363052"/>
-            <a:ext cx="5329952" cy="767608"/>
+            <a:off x="4694873" y="11694510"/>
+            <a:ext cx="4783455" cy="671762"/>
           </a:xfrm>
           <a:prstGeom prst="rect">
             <a:avLst/>
@@ -8518,7 +8518,7 @@
           <a:bodyPr vert="horz" lIns="91440" tIns="45720" rIns="91440" bIns="45720" rtlCol="0" anchor="ctr"/>
           <a:lstStyle>
             <a:lvl1pPr algn="ctr">
-              <a:defRPr sz="2073">
+              <a:defRPr sz="1860">
                 <a:solidFill>
                   <a:schemeClr val="tx1">
                     <a:tint val="75000"/>
@@ -8544,8 +8544,8 @@
         </p:nvSpPr>
         <p:spPr>
           <a:xfrm>
-            <a:off x="11153418" y="13363052"/>
-            <a:ext cx="3553301" cy="767608"/>
+            <a:off x="10009823" y="11694510"/>
+            <a:ext cx="3188970" cy="671762"/>
           </a:xfrm>
           <a:prstGeom prst="rect">
             <a:avLst/>
@@ -8555,7 +8555,7 @@
           <a:bodyPr vert="horz" lIns="91440" tIns="45720" rIns="91440" bIns="45720" rtlCol="0" anchor="ctr"/>
           <a:lstStyle>
             <a:lvl1pPr algn="r">
-              <a:defRPr sz="2073">
+              <a:defRPr sz="1860">
                 <a:solidFill>
                   <a:schemeClr val="tx1">
                     <a:tint val="75000"/>
@@ -8567,7 +8567,7 @@
           <a:p>
             <a:fld id="{74E8DECF-4D38-4B39-8882-1F3439170746}" type="slidenum">
               <a:rPr lang="nl-NL" smtClean="0"/>
-              <a:t>‹#›</a:t>
+              <a:t>‹nr.›</a:t>
             </a:fld>
             <a:endParaRPr lang="nl-NL"/>
           </a:p>
@@ -8576,27 +8576,27 @@
     </p:spTree>
     <p:extLst>
       <p:ext uri="{BB962C8B-B14F-4D97-AF65-F5344CB8AC3E}">
-        <p14:creationId xmlns:p14="http://schemas.microsoft.com/office/powerpoint/2010/main" val="3884422132"/>
+        <p14:creationId xmlns:p14="http://schemas.microsoft.com/office/powerpoint/2010/main" val="3846391890"/>
       </p:ext>
     </p:extLst>
   </p:cSld>
   <p:clrMap bg1="lt1" tx1="dk1" bg2="lt2" tx2="dk2" accent1="accent1" accent2="accent2" accent3="accent3" accent4="accent4" accent5="accent5" accent6="accent6" hlink="hlink" folHlink="folHlink"/>
   <p:sldLayoutIdLst>
-    <p:sldLayoutId id="2147483685" r:id="rId1"/>
-    <p:sldLayoutId id="2147483686" r:id="rId2"/>
-    <p:sldLayoutId id="2147483687" r:id="rId3"/>
-    <p:sldLayoutId id="2147483688" r:id="rId4"/>
-    <p:sldLayoutId id="2147483689" r:id="rId5"/>
-    <p:sldLayoutId id="2147483690" r:id="rId6"/>
-    <p:sldLayoutId id="2147483691" r:id="rId7"/>
-    <p:sldLayoutId id="2147483692" r:id="rId8"/>
-    <p:sldLayoutId id="2147483693" r:id="rId9"/>
-    <p:sldLayoutId id="2147483694" r:id="rId10"/>
-    <p:sldLayoutId id="2147483695" r:id="rId11"/>
+    <p:sldLayoutId id="2147483733" r:id="rId1"/>
+    <p:sldLayoutId id="2147483734" r:id="rId2"/>
+    <p:sldLayoutId id="2147483735" r:id="rId3"/>
+    <p:sldLayoutId id="2147483736" r:id="rId4"/>
+    <p:sldLayoutId id="2147483737" r:id="rId5"/>
+    <p:sldLayoutId id="2147483738" r:id="rId6"/>
+    <p:sldLayoutId id="2147483739" r:id="rId7"/>
+    <p:sldLayoutId id="2147483740" r:id="rId8"/>
+    <p:sldLayoutId id="2147483741" r:id="rId9"/>
+    <p:sldLayoutId id="2147483742" r:id="rId10"/>
+    <p:sldLayoutId id="2147483743" r:id="rId11"/>
   </p:sldLayoutIdLst>
   <p:txStyles>
     <p:titleStyle>
-      <a:lvl1pPr algn="l" defTabSz="1579260" rtl="0" eaLnBrk="1" latinLnBrk="0" hangingPunct="1">
+      <a:lvl1pPr algn="l" defTabSz="1417320" rtl="0" eaLnBrk="1" latinLnBrk="0" hangingPunct="1">
         <a:lnSpc>
           <a:spcPct val="90000"/>
         </a:lnSpc>
@@ -8604,7 +8604,7 @@
           <a:spcPct val="0"/>
         </a:spcBef>
         <a:buNone/>
-        <a:defRPr sz="7599" kern="1200">
+        <a:defRPr sz="6820" kern="1200">
           <a:solidFill>
             <a:schemeClr val="tx1"/>
           </a:solidFill>
@@ -8615,16 +8615,16 @@
       </a:lvl1pPr>
     </p:titleStyle>
     <p:bodyStyle>
-      <a:lvl1pPr marL="394815" indent="-394815" algn="l" defTabSz="1579260" rtl="0" eaLnBrk="1" latinLnBrk="0" hangingPunct="1">
+      <a:lvl1pPr marL="354330" indent="-354330" algn="l" defTabSz="1417320" rtl="0" eaLnBrk="1" latinLnBrk="0" hangingPunct="1">
         <a:lnSpc>
           <a:spcPct val="90000"/>
         </a:lnSpc>
         <a:spcBef>
-          <a:spcPts val="1727"/>
+          <a:spcPts val="1550"/>
         </a:spcBef>
         <a:buFont typeface="Arial" panose="020B0604020202020204" pitchFamily="34" charset="0"/>
         <a:buChar char="•"/>
-        <a:defRPr sz="4836" kern="1200">
+        <a:defRPr sz="4340" kern="1200">
           <a:solidFill>
             <a:schemeClr val="tx1"/>
           </a:solidFill>
@@ -8633,16 +8633,16 @@
           <a:cs typeface="+mn-cs"/>
         </a:defRPr>
       </a:lvl1pPr>
-      <a:lvl2pPr marL="1184445" indent="-394815" algn="l" defTabSz="1579260" rtl="0" eaLnBrk="1" latinLnBrk="0" hangingPunct="1">
+      <a:lvl2pPr marL="1062990" indent="-354330" algn="l" defTabSz="1417320" rtl="0" eaLnBrk="1" latinLnBrk="0" hangingPunct="1">
         <a:lnSpc>
           <a:spcPct val="90000"/>
         </a:lnSpc>
         <a:spcBef>
-          <a:spcPts val="864"/>
+          <a:spcPts val="775"/>
         </a:spcBef>
         <a:buFont typeface="Arial" panose="020B0604020202020204" pitchFamily="34" charset="0"/>
         <a:buChar char="•"/>
-        <a:defRPr sz="4145" kern="1200">
+        <a:defRPr sz="3720" kern="1200">
           <a:solidFill>
             <a:schemeClr val="tx1"/>
           </a:solidFill>
@@ -8651,16 +8651,16 @@
           <a:cs typeface="+mn-cs"/>
         </a:defRPr>
       </a:lvl2pPr>
-      <a:lvl3pPr marL="1974075" indent="-394815" algn="l" defTabSz="1579260" rtl="0" eaLnBrk="1" latinLnBrk="0" hangingPunct="1">
+      <a:lvl3pPr marL="1771650" indent="-354330" algn="l" defTabSz="1417320" rtl="0" eaLnBrk="1" latinLnBrk="0" hangingPunct="1">
         <a:lnSpc>
           <a:spcPct val="90000"/>
         </a:lnSpc>
         <a:spcBef>
-          <a:spcPts val="864"/>
+          <a:spcPts val="775"/>
         </a:spcBef>
         <a:buFont typeface="Arial" panose="020B0604020202020204" pitchFamily="34" charset="0"/>
         <a:buChar char="•"/>
-        <a:defRPr sz="3454" kern="1200">
+        <a:defRPr sz="3100" kern="1200">
           <a:solidFill>
             <a:schemeClr val="tx1"/>
           </a:solidFill>
@@ -8669,16 +8669,16 @@
           <a:cs typeface="+mn-cs"/>
         </a:defRPr>
       </a:lvl3pPr>
-      <a:lvl4pPr marL="2763705" indent="-394815" algn="l" defTabSz="1579260" rtl="0" eaLnBrk="1" latinLnBrk="0" hangingPunct="1">
+      <a:lvl4pPr marL="2480310" indent="-354330" algn="l" defTabSz="1417320" rtl="0" eaLnBrk="1" latinLnBrk="0" hangingPunct="1">
         <a:lnSpc>
           <a:spcPct val="90000"/>
         </a:lnSpc>
         <a:spcBef>
-          <a:spcPts val="864"/>
+          <a:spcPts val="775"/>
         </a:spcBef>
         <a:buFont typeface="Arial" panose="020B0604020202020204" pitchFamily="34" charset="0"/>
         <a:buChar char="•"/>
-        <a:defRPr sz="3109" kern="1200">
+        <a:defRPr sz="2790" kern="1200">
           <a:solidFill>
             <a:schemeClr val="tx1"/>
           </a:solidFill>
@@ -8687,16 +8687,16 @@
           <a:cs typeface="+mn-cs"/>
         </a:defRPr>
       </a:lvl4pPr>
-      <a:lvl5pPr marL="3553336" indent="-394815" algn="l" defTabSz="1579260" rtl="0" eaLnBrk="1" latinLnBrk="0" hangingPunct="1">
+      <a:lvl5pPr marL="3188970" indent="-354330" algn="l" defTabSz="1417320" rtl="0" eaLnBrk="1" latinLnBrk="0" hangingPunct="1">
         <a:lnSpc>
           <a:spcPct val="90000"/>
         </a:lnSpc>
         <a:spcBef>
-          <a:spcPts val="864"/>
+          <a:spcPts val="775"/>
         </a:spcBef>
         <a:buFont typeface="Arial" panose="020B0604020202020204" pitchFamily="34" charset="0"/>
         <a:buChar char="•"/>
-        <a:defRPr sz="3109" kern="1200">
+        <a:defRPr sz="2790" kern="1200">
           <a:solidFill>
             <a:schemeClr val="tx1"/>
           </a:solidFill>
@@ -8705,16 +8705,16 @@
           <a:cs typeface="+mn-cs"/>
         </a:defRPr>
       </a:lvl5pPr>
-      <a:lvl6pPr marL="4342966" indent="-394815" algn="l" defTabSz="1579260" rtl="0" eaLnBrk="1" latinLnBrk="0" hangingPunct="1">
+      <a:lvl6pPr marL="3897630" indent="-354330" algn="l" defTabSz="1417320" rtl="0" eaLnBrk="1" latinLnBrk="0" hangingPunct="1">
         <a:lnSpc>
           <a:spcPct val="90000"/>
         </a:lnSpc>
         <a:spcBef>
-          <a:spcPts val="864"/>
+          <a:spcPts val="775"/>
         </a:spcBef>
         <a:buFont typeface="Arial" panose="020B0604020202020204" pitchFamily="34" charset="0"/>
         <a:buChar char="•"/>
-        <a:defRPr sz="3109" kern="1200">
+        <a:defRPr sz="2790" kern="1200">
           <a:solidFill>
             <a:schemeClr val="tx1"/>
           </a:solidFill>
@@ -8723,16 +8723,16 @@
           <a:cs typeface="+mn-cs"/>
         </a:defRPr>
       </a:lvl6pPr>
-      <a:lvl7pPr marL="5132596" indent="-394815" algn="l" defTabSz="1579260" rtl="0" eaLnBrk="1" latinLnBrk="0" hangingPunct="1">
+      <a:lvl7pPr marL="4606290" indent="-354330" algn="l" defTabSz="1417320" rtl="0" eaLnBrk="1" latinLnBrk="0" hangingPunct="1">
         <a:lnSpc>
           <a:spcPct val="90000"/>
         </a:lnSpc>
         <a:spcBef>
-          <a:spcPts val="864"/>
+          <a:spcPts val="775"/>
         </a:spcBef>
         <a:buFont typeface="Arial" panose="020B0604020202020204" pitchFamily="34" charset="0"/>
         <a:buChar char="•"/>
-        <a:defRPr sz="3109" kern="1200">
+        <a:defRPr sz="2790" kern="1200">
           <a:solidFill>
             <a:schemeClr val="tx1"/>
           </a:solidFill>
@@ -8741,16 +8741,16 @@
           <a:cs typeface="+mn-cs"/>
         </a:defRPr>
       </a:lvl7pPr>
-      <a:lvl8pPr marL="5922226" indent="-394815" algn="l" defTabSz="1579260" rtl="0" eaLnBrk="1" latinLnBrk="0" hangingPunct="1">
+      <a:lvl8pPr marL="5314950" indent="-354330" algn="l" defTabSz="1417320" rtl="0" eaLnBrk="1" latinLnBrk="0" hangingPunct="1">
         <a:lnSpc>
           <a:spcPct val="90000"/>
         </a:lnSpc>
         <a:spcBef>
-          <a:spcPts val="864"/>
+          <a:spcPts val="775"/>
         </a:spcBef>
         <a:buFont typeface="Arial" panose="020B0604020202020204" pitchFamily="34" charset="0"/>
         <a:buChar char="•"/>
-        <a:defRPr sz="3109" kern="1200">
+        <a:defRPr sz="2790" kern="1200">
           <a:solidFill>
             <a:schemeClr val="tx1"/>
           </a:solidFill>
@@ -8759,16 +8759,16 @@
           <a:cs typeface="+mn-cs"/>
         </a:defRPr>
       </a:lvl8pPr>
-      <a:lvl9pPr marL="6711856" indent="-394815" algn="l" defTabSz="1579260" rtl="0" eaLnBrk="1" latinLnBrk="0" hangingPunct="1">
+      <a:lvl9pPr marL="6023610" indent="-354330" algn="l" defTabSz="1417320" rtl="0" eaLnBrk="1" latinLnBrk="0" hangingPunct="1">
         <a:lnSpc>
           <a:spcPct val="90000"/>
         </a:lnSpc>
         <a:spcBef>
-          <a:spcPts val="864"/>
+          <a:spcPts val="775"/>
         </a:spcBef>
         <a:buFont typeface="Arial" panose="020B0604020202020204" pitchFamily="34" charset="0"/>
         <a:buChar char="•"/>
-        <a:defRPr sz="3109" kern="1200">
+        <a:defRPr sz="2790" kern="1200">
           <a:solidFill>
             <a:schemeClr val="tx1"/>
           </a:solidFill>
@@ -8782,8 +8782,8 @@
       <a:defPPr>
         <a:defRPr lang="en-US"/>
       </a:defPPr>
-      <a:lvl1pPr marL="0" algn="l" defTabSz="1579260" rtl="0" eaLnBrk="1" latinLnBrk="0" hangingPunct="1">
-        <a:defRPr sz="3109" kern="1200">
+      <a:lvl1pPr marL="0" algn="l" defTabSz="1417320" rtl="0" eaLnBrk="1" latinLnBrk="0" hangingPunct="1">
+        <a:defRPr sz="2790" kern="1200">
           <a:solidFill>
             <a:schemeClr val="tx1"/>
           </a:solidFill>
@@ -8792,8 +8792,8 @@
           <a:cs typeface="+mn-cs"/>
         </a:defRPr>
       </a:lvl1pPr>
-      <a:lvl2pPr marL="789630" algn="l" defTabSz="1579260" rtl="0" eaLnBrk="1" latinLnBrk="0" hangingPunct="1">
-        <a:defRPr sz="3109" kern="1200">
+      <a:lvl2pPr marL="708660" algn="l" defTabSz="1417320" rtl="0" eaLnBrk="1" latinLnBrk="0" hangingPunct="1">
+        <a:defRPr sz="2790" kern="1200">
           <a:solidFill>
             <a:schemeClr val="tx1"/>
           </a:solidFill>
@@ -8802,8 +8802,8 @@
           <a:cs typeface="+mn-cs"/>
         </a:defRPr>
       </a:lvl2pPr>
-      <a:lvl3pPr marL="1579260" algn="l" defTabSz="1579260" rtl="0" eaLnBrk="1" latinLnBrk="0" hangingPunct="1">
-        <a:defRPr sz="3109" kern="1200">
+      <a:lvl3pPr marL="1417320" algn="l" defTabSz="1417320" rtl="0" eaLnBrk="1" latinLnBrk="0" hangingPunct="1">
+        <a:defRPr sz="2790" kern="1200">
           <a:solidFill>
             <a:schemeClr val="tx1"/>
           </a:solidFill>
@@ -8812,8 +8812,8 @@
           <a:cs typeface="+mn-cs"/>
         </a:defRPr>
       </a:lvl3pPr>
-      <a:lvl4pPr marL="2368890" algn="l" defTabSz="1579260" rtl="0" eaLnBrk="1" latinLnBrk="0" hangingPunct="1">
-        <a:defRPr sz="3109" kern="1200">
+      <a:lvl4pPr marL="2125980" algn="l" defTabSz="1417320" rtl="0" eaLnBrk="1" latinLnBrk="0" hangingPunct="1">
+        <a:defRPr sz="2790" kern="1200">
           <a:solidFill>
             <a:schemeClr val="tx1"/>
           </a:solidFill>
@@ -8822,8 +8822,8 @@
           <a:cs typeface="+mn-cs"/>
         </a:defRPr>
       </a:lvl4pPr>
-      <a:lvl5pPr marL="3158520" algn="l" defTabSz="1579260" rtl="0" eaLnBrk="1" latinLnBrk="0" hangingPunct="1">
-        <a:defRPr sz="3109" kern="1200">
+      <a:lvl5pPr marL="2834640" algn="l" defTabSz="1417320" rtl="0" eaLnBrk="1" latinLnBrk="0" hangingPunct="1">
+        <a:defRPr sz="2790" kern="1200">
           <a:solidFill>
             <a:schemeClr val="tx1"/>
           </a:solidFill>
@@ -8832,8 +8832,8 @@
           <a:cs typeface="+mn-cs"/>
         </a:defRPr>
       </a:lvl5pPr>
-      <a:lvl6pPr marL="3948151" algn="l" defTabSz="1579260" rtl="0" eaLnBrk="1" latinLnBrk="0" hangingPunct="1">
-        <a:defRPr sz="3109" kern="1200">
+      <a:lvl6pPr marL="3543300" algn="l" defTabSz="1417320" rtl="0" eaLnBrk="1" latinLnBrk="0" hangingPunct="1">
+        <a:defRPr sz="2790" kern="1200">
           <a:solidFill>
             <a:schemeClr val="tx1"/>
           </a:solidFill>
@@ -8842,8 +8842,8 @@
           <a:cs typeface="+mn-cs"/>
         </a:defRPr>
       </a:lvl6pPr>
-      <a:lvl7pPr marL="4737781" algn="l" defTabSz="1579260" rtl="0" eaLnBrk="1" latinLnBrk="0" hangingPunct="1">
-        <a:defRPr sz="3109" kern="1200">
+      <a:lvl7pPr marL="4251960" algn="l" defTabSz="1417320" rtl="0" eaLnBrk="1" latinLnBrk="0" hangingPunct="1">
+        <a:defRPr sz="2790" kern="1200">
           <a:solidFill>
             <a:schemeClr val="tx1"/>
           </a:solidFill>
@@ -8852,8 +8852,8 @@
           <a:cs typeface="+mn-cs"/>
         </a:defRPr>
       </a:lvl7pPr>
-      <a:lvl8pPr marL="5527411" algn="l" defTabSz="1579260" rtl="0" eaLnBrk="1" latinLnBrk="0" hangingPunct="1">
-        <a:defRPr sz="3109" kern="1200">
+      <a:lvl8pPr marL="4960620" algn="l" defTabSz="1417320" rtl="0" eaLnBrk="1" latinLnBrk="0" hangingPunct="1">
+        <a:defRPr sz="2790" kern="1200">
           <a:solidFill>
             <a:schemeClr val="tx1"/>
           </a:solidFill>
@@ -8862,8 +8862,8 @@
           <a:cs typeface="+mn-cs"/>
         </a:defRPr>
       </a:lvl8pPr>
-      <a:lvl9pPr marL="6317041" algn="l" defTabSz="1579260" rtl="0" eaLnBrk="1" latinLnBrk="0" hangingPunct="1">
-        <a:defRPr sz="3109" kern="1200">
+      <a:lvl9pPr marL="5669280" algn="l" defTabSz="1417320" rtl="0" eaLnBrk="1" latinLnBrk="0" hangingPunct="1">
+        <a:defRPr sz="2790" kern="1200">
           <a:solidFill>
             <a:schemeClr val="tx1"/>
           </a:solidFill>
@@ -8908,7 +8908,7 @@
         </p:nvSpPr>
         <p:spPr>
           <a:xfrm>
-            <a:off x="9398791" y="2775891"/>
+            <a:off x="9198771" y="2768637"/>
             <a:ext cx="4624417" cy="1445716"/>
           </a:xfrm>
           <a:prstGeom prst="roundRect">
@@ -8962,7 +8962,7 @@
         </p:nvSpPr>
         <p:spPr>
           <a:xfrm>
-            <a:off x="5400676" y="2759469"/>
+            <a:off x="5200651" y="2752220"/>
             <a:ext cx="2837528" cy="1440143"/>
           </a:xfrm>
           <a:prstGeom prst="roundRect">
@@ -9016,7 +9016,7 @@
         </p:nvSpPr>
         <p:spPr>
           <a:xfrm>
-            <a:off x="3467676" y="2388332"/>
+            <a:off x="3267652" y="2381078"/>
             <a:ext cx="1672296" cy="1811276"/>
           </a:xfrm>
           <a:prstGeom prst="roundRect">
@@ -9069,13 +9069,13 @@
           <p:nvPr>
             <p:extLst>
               <p:ext uri="{D42A27DB-BD31-4B8C-83A1-F6EECF244321}">
-                <p14:modId xmlns:p14="http://schemas.microsoft.com/office/powerpoint/2010/main" val="2041825651"/>
+                <p14:modId xmlns:p14="http://schemas.microsoft.com/office/powerpoint/2010/main" val="3332395262"/>
               </p:ext>
             </p:extLst>
           </p:nvPr>
         </p:nvGraphicFramePr>
         <p:xfrm>
-          <a:off x="3487514" y="4295791"/>
+          <a:off x="3287490" y="4288537"/>
           <a:ext cx="1665170" cy="1905812"/>
         </p:xfrm>
         <a:graphic>
@@ -9311,13 +9311,13 @@
           <p:nvPr>
             <p:extLst>
               <p:ext uri="{D42A27DB-BD31-4B8C-83A1-F6EECF244321}">
-                <p14:modId xmlns:p14="http://schemas.microsoft.com/office/powerpoint/2010/main" val="1309304393"/>
+                <p14:modId xmlns:p14="http://schemas.microsoft.com/office/powerpoint/2010/main" val="3074191108"/>
               </p:ext>
             </p:extLst>
           </p:nvPr>
         </p:nvGraphicFramePr>
         <p:xfrm>
-          <a:off x="5400676" y="4293573"/>
+          <a:off x="5200651" y="4286319"/>
           <a:ext cx="2837528" cy="1908032"/>
         </p:xfrm>
         <a:graphic>
@@ -9596,14 +9596,14 @@
           <p:nvPr>
             <p:extLst>
               <p:ext uri="{D42A27DB-BD31-4B8C-83A1-F6EECF244321}">
-                <p14:modId xmlns:p14="http://schemas.microsoft.com/office/powerpoint/2010/main" val="1825459230"/>
+                <p14:modId xmlns:p14="http://schemas.microsoft.com/office/powerpoint/2010/main" val="1398680849"/>
               </p:ext>
             </p:extLst>
           </p:nvPr>
         </p:nvGraphicFramePr>
         <p:xfrm>
-          <a:off x="9498640" y="4293573"/>
-          <a:ext cx="3866633" cy="1908032"/>
+          <a:off x="9298616" y="4286319"/>
+          <a:ext cx="3866634" cy="2081182"/>
         </p:xfrm>
         <a:graphic>
           <a:graphicData uri="http://schemas.openxmlformats.org/drawingml/2006/table">
@@ -9626,7 +9626,7 @@
                     </a:ext>
                   </a:extLst>
                 </a:gridCol>
-                <a:gridCol w="631199">
+                <a:gridCol w="631200">
                   <a:extLst>
                     <a:ext uri="{9D8B030D-6E8A-4147-A177-3AD203B41FA5}">
                       <a16:colId xmlns:a16="http://schemas.microsoft.com/office/drawing/2014/main" val="2191870888"/>
@@ -9655,7 +9655,7 @@
                   </a:extLst>
                 </a:gridCol>
               </a:tblGrid>
-              <a:tr h="477008">
+              <a:tr h="650158">
                 <a:tc>
                   <a:txBody>
                     <a:bodyPr/>
@@ -10022,7 +10022,7 @@
         </p:nvGrpSpPr>
         <p:grpSpPr>
           <a:xfrm>
-            <a:off x="4293873" y="3408729"/>
+            <a:off x="4093853" y="3401479"/>
             <a:ext cx="718381" cy="718381"/>
             <a:chOff x="791179" y="3060833"/>
             <a:chExt cx="1603103" cy="1603103"/>
@@ -10133,7 +10133,7 @@
         </p:blipFill>
         <p:spPr>
           <a:xfrm>
-            <a:off x="5605217" y="3408729"/>
+            <a:off x="5405196" y="3401479"/>
             <a:ext cx="718381" cy="718381"/>
           </a:xfrm>
           <a:prstGeom prst="rect">
@@ -10163,7 +10163,7 @@
         </p:blipFill>
         <p:spPr>
           <a:xfrm>
-            <a:off x="6427164" y="3408729"/>
+            <a:off x="6227143" y="3401479"/>
             <a:ext cx="718381" cy="718381"/>
           </a:xfrm>
           <a:prstGeom prst="rect">
@@ -10185,7 +10185,7 @@
         </p:nvGrpSpPr>
         <p:grpSpPr>
           <a:xfrm>
-            <a:off x="7309885" y="3359835"/>
+            <a:off x="7109865" y="3352586"/>
             <a:ext cx="718381" cy="718381"/>
             <a:chOff x="5084736" y="3107630"/>
             <a:chExt cx="722333" cy="823617"/>
@@ -10266,7 +10266,7 @@
         </p:nvSpPr>
         <p:spPr>
           <a:xfrm>
-            <a:off x="4334706" y="3038104"/>
+            <a:off x="4134685" y="3030850"/>
             <a:ext cx="585417" cy="338554"/>
           </a:xfrm>
           <a:prstGeom prst="rect">
@@ -10301,7 +10301,7 @@
         </p:nvSpPr>
         <p:spPr>
           <a:xfrm>
-            <a:off x="5447437" y="2718191"/>
+            <a:off x="5247412" y="2710942"/>
             <a:ext cx="966996" cy="584775"/>
           </a:xfrm>
           <a:prstGeom prst="rect">
@@ -10344,7 +10344,7 @@
         </p:nvSpPr>
         <p:spPr>
           <a:xfrm>
-            <a:off x="6429849" y="2720520"/>
+            <a:off x="6229829" y="2713271"/>
             <a:ext cx="786113" cy="584775"/>
           </a:xfrm>
           <a:prstGeom prst="rect">
@@ -10386,7 +10386,7 @@
         </p:nvSpPr>
         <p:spPr>
           <a:xfrm>
-            <a:off x="7290342" y="2718190"/>
+            <a:off x="7090322" y="2710941"/>
             <a:ext cx="806503" cy="584775"/>
           </a:xfrm>
           <a:prstGeom prst="rect">
@@ -10429,7 +10429,7 @@
         </p:nvSpPr>
         <p:spPr>
           <a:xfrm>
-            <a:off x="12147195" y="2764890"/>
+            <a:off x="11947170" y="2757641"/>
             <a:ext cx="909416" cy="584775"/>
           </a:xfrm>
           <a:prstGeom prst="rect">
@@ -10472,7 +10472,7 @@
         </p:nvSpPr>
         <p:spPr>
           <a:xfrm>
-            <a:off x="11147197" y="2767229"/>
+            <a:off x="10947177" y="2759979"/>
             <a:ext cx="1104277" cy="584775"/>
           </a:xfrm>
           <a:prstGeom prst="rect">
@@ -10515,7 +10515,7 @@
         </p:nvSpPr>
         <p:spPr>
           <a:xfrm>
-            <a:off x="9458176" y="2795416"/>
+            <a:off x="9258151" y="2788166"/>
             <a:ext cx="771558" cy="584775"/>
           </a:xfrm>
           <a:prstGeom prst="rect">
@@ -10557,8 +10557,8 @@
         </p:nvSpPr>
         <p:spPr>
           <a:xfrm>
-            <a:off x="3533776" y="2095958"/>
-            <a:ext cx="998094" cy="338554"/>
+            <a:off x="3333752" y="2088704"/>
+            <a:ext cx="1001300" cy="338554"/>
           </a:xfrm>
           <a:prstGeom prst="rect">
             <a:avLst/>
@@ -10573,7 +10573,7 @@
           <a:p>
             <a:r>
               <a:rPr lang="nl-NL" sz="1600" i="1" dirty="0"/>
-              <a:t>Target – x</a:t>
+              <a:t>Target – y</a:t>
             </a:r>
           </a:p>
         </p:txBody>
@@ -10592,7 +10592,7 @@
         </p:nvSpPr>
         <p:spPr>
           <a:xfrm>
-            <a:off x="5517889" y="2388332"/>
+            <a:off x="5317869" y="2381078"/>
             <a:ext cx="1748299" cy="338554"/>
           </a:xfrm>
           <a:prstGeom prst="rect">
@@ -10636,7 +10636,7 @@
         </p:nvSpPr>
         <p:spPr>
           <a:xfrm>
-            <a:off x="9498641" y="2419644"/>
+            <a:off x="9298622" y="2412390"/>
             <a:ext cx="1585819" cy="338554"/>
           </a:xfrm>
           <a:prstGeom prst="rect">
@@ -10675,8 +10675,8 @@
         </p:nvSpPr>
         <p:spPr>
           <a:xfrm>
-            <a:off x="5483861" y="2109244"/>
-            <a:ext cx="1149802" cy="338554"/>
+            <a:off x="5283835" y="2101991"/>
+            <a:ext cx="1146596" cy="338554"/>
           </a:xfrm>
           <a:prstGeom prst="rect">
             <a:avLst/>
@@ -10691,7 +10691,7 @@
           <a:p>
             <a:r>
               <a:rPr lang="nl-NL" sz="1600" i="1" dirty="0"/>
-              <a:t>Features - y</a:t>
+              <a:t>Features - x</a:t>
             </a:r>
           </a:p>
         </p:txBody>
@@ -10710,7 +10710,7 @@
         </p:nvSpPr>
         <p:spPr>
           <a:xfrm>
-            <a:off x="5400677" y="2388334"/>
+            <a:off x="5200652" y="2381085"/>
             <a:ext cx="8622530" cy="1811277"/>
           </a:xfrm>
           <a:prstGeom prst="roundRect">
@@ -10757,7 +10757,7 @@
         </p:nvGrpSpPr>
         <p:grpSpPr>
           <a:xfrm>
-            <a:off x="12159443" y="3434681"/>
+            <a:off x="11959418" y="3427428"/>
             <a:ext cx="737856" cy="733904"/>
             <a:chOff x="7362934" y="1344003"/>
             <a:chExt cx="724770" cy="814239"/>
@@ -10846,8 +10846,8 @@
         </p:blipFill>
         <p:spPr>
           <a:xfrm>
-            <a:off x="11308858" y="3432960"/>
-            <a:ext cx="780957" cy="767105"/>
+            <a:off x="11108834" y="3425710"/>
+            <a:ext cx="780956" cy="767105"/>
           </a:xfrm>
           <a:prstGeom prst="rect">
             <a:avLst/>
@@ -10868,7 +10868,7 @@
         </p:nvGrpSpPr>
         <p:grpSpPr>
           <a:xfrm>
-            <a:off x="9504906" y="3411969"/>
+            <a:off x="9304881" y="3404720"/>
             <a:ext cx="759956" cy="756679"/>
             <a:chOff x="9385311" y="1379328"/>
             <a:chExt cx="759956" cy="756679"/>
@@ -11022,7 +11022,7 @@
         </p:nvSpPr>
         <p:spPr>
           <a:xfrm>
-            <a:off x="3467679" y="1688626"/>
+            <a:off x="3267659" y="1681373"/>
             <a:ext cx="4770527" cy="2510982"/>
           </a:xfrm>
           <a:prstGeom prst="roundRect">
@@ -11071,7 +11071,7 @@
         </p:nvSpPr>
         <p:spPr>
           <a:xfrm>
-            <a:off x="3559093" y="1688627"/>
+            <a:off x="3359073" y="1681373"/>
             <a:ext cx="2073901" cy="338554"/>
           </a:xfrm>
           <a:prstGeom prst="rect">
@@ -11106,7 +11106,7 @@
         </p:nvSpPr>
         <p:spPr>
           <a:xfrm>
-            <a:off x="8328693" y="4740669"/>
+            <a:off x="8128667" y="4733419"/>
             <a:ext cx="984738" cy="668215"/>
           </a:xfrm>
           <a:prstGeom prst="rightArrow">
@@ -11173,7 +11173,7 @@
         </p:nvSpPr>
         <p:spPr>
           <a:xfrm rot="5400000">
-            <a:off x="7731930" y="2003451"/>
+            <a:off x="7531906" y="1996198"/>
             <a:ext cx="328246" cy="8724554"/>
           </a:xfrm>
           <a:prstGeom prst="rightBrace">
@@ -11229,14 +11229,14 @@
           <p:nvPr>
             <p:extLst>
               <p:ext uri="{D42A27DB-BD31-4B8C-83A1-F6EECF244321}">
-                <p14:modId xmlns:p14="http://schemas.microsoft.com/office/powerpoint/2010/main" val="2515025423"/>
+                <p14:modId xmlns:p14="http://schemas.microsoft.com/office/powerpoint/2010/main" val="2142819012"/>
               </p:ext>
             </p:extLst>
           </p:nvPr>
         </p:nvGraphicFramePr>
         <p:xfrm>
-          <a:off x="3533776" y="6837455"/>
-          <a:ext cx="8487848" cy="2878554"/>
+          <a:off x="3333750" y="6830201"/>
+          <a:ext cx="8490666" cy="3035198"/>
         </p:xfrm>
         <a:graphic>
           <a:graphicData uri="http://schemas.openxmlformats.org/drawingml/2006/table">
@@ -11315,7 +11315,7 @@
                     </a:ext>
                   </a:extLst>
                 </a:gridCol>
-                <a:gridCol w="208280">
+                <a:gridCol w="211098">
                   <a:extLst>
                     <a:ext uri="{9D8B030D-6E8A-4147-A177-3AD203B41FA5}">
                       <a16:colId xmlns:a16="http://schemas.microsoft.com/office/drawing/2014/main" val="3202945256"/>
@@ -11330,7 +11330,7 @@
                   </a:extLst>
                 </a:gridCol>
               </a:tblGrid>
-              <a:tr h="493514">
+              <a:tr h="650158">
                 <a:tc>
                   <a:txBody>
                     <a:bodyPr/>
@@ -12774,8 +12774,8 @@
         </p:nvSpPr>
         <p:spPr>
           <a:xfrm>
-            <a:off x="244213" y="269691"/>
-            <a:ext cx="2950940" cy="1489293"/>
+            <a:off x="44188" y="262438"/>
+            <a:ext cx="2950940" cy="1489292"/>
           </a:xfrm>
           <a:prstGeom prst="wedgeRectCallout">
             <a:avLst>
@@ -12881,8 +12881,8 @@
         </p:nvSpPr>
         <p:spPr>
           <a:xfrm>
-            <a:off x="13066922" y="2765340"/>
-            <a:ext cx="956287" cy="584775"/>
+            <a:off x="12866902" y="2758091"/>
+            <a:ext cx="925253" cy="584775"/>
           </a:xfrm>
           <a:prstGeom prst="rect">
             <a:avLst/>
@@ -12931,7 +12931,7 @@
         </p:blipFill>
         <p:spPr>
           <a:xfrm>
-            <a:off x="13056611" y="3482178"/>
+            <a:off x="12856586" y="3474925"/>
             <a:ext cx="657346" cy="695988"/>
           </a:xfrm>
           <a:prstGeom prst="rect">
@@ -12953,13 +12953,13 @@
         </p:nvSpPr>
         <p:spPr>
           <a:xfrm>
-            <a:off x="5374405" y="77941"/>
-            <a:ext cx="2950940" cy="1489293"/>
+            <a:off x="3668475" y="56518"/>
+            <a:ext cx="2950940" cy="1489292"/>
           </a:xfrm>
           <a:prstGeom prst="wedgeRectCallout">
             <a:avLst>
-              <a:gd name="adj1" fmla="val -4278"/>
-              <a:gd name="adj2" fmla="val 105394"/>
+              <a:gd name="adj1" fmla="val 29380"/>
+              <a:gd name="adj2" fmla="val 92691"/>
             </a:avLst>
           </a:prstGeom>
           <a:noFill/>
@@ -13044,13 +13044,13 @@
         </p:nvSpPr>
         <p:spPr>
           <a:xfrm>
-            <a:off x="8637318" y="104998"/>
-            <a:ext cx="2950940" cy="1489293"/>
+            <a:off x="7520366" y="80060"/>
+            <a:ext cx="2950940" cy="1489292"/>
           </a:xfrm>
           <a:prstGeom prst="wedgeRectCallout">
             <a:avLst>
-              <a:gd name="adj1" fmla="val -4278"/>
-              <a:gd name="adj2" fmla="val 105394"/>
+              <a:gd name="adj1" fmla="val 20832"/>
+              <a:gd name="adj2" fmla="val 112804"/>
             </a:avLst>
           </a:prstGeom>
           <a:noFill/>
@@ -13159,8 +13159,8 @@
         </p:nvSpPr>
         <p:spPr>
           <a:xfrm>
-            <a:off x="239322" y="2797586"/>
-            <a:ext cx="2950940" cy="5757873"/>
+            <a:off x="39297" y="2790333"/>
+            <a:ext cx="2950940" cy="5757872"/>
           </a:xfrm>
           <a:prstGeom prst="wedgeRectCallout">
             <a:avLst>
@@ -13593,7 +13593,7 @@
         </p:nvSpPr>
         <p:spPr>
           <a:xfrm>
-            <a:off x="12087651" y="7513388"/>
+            <a:off x="11887631" y="7506135"/>
             <a:ext cx="1032713" cy="924496"/>
           </a:xfrm>
           <a:prstGeom prst="downArrowCallout">
@@ -13665,7 +13665,7 @@
         </p:blipFill>
         <p:spPr>
           <a:xfrm>
-            <a:off x="12060356" y="8493308"/>
+            <a:off x="11860336" y="8486059"/>
             <a:ext cx="1076325" cy="1076325"/>
           </a:xfrm>
           <a:prstGeom prst="rect">
@@ -13695,7 +13695,7 @@
         </p:blipFill>
         <p:spPr>
           <a:xfrm>
-            <a:off x="10813930" y="10187084"/>
+            <a:off x="10613910" y="10179835"/>
             <a:ext cx="1076325" cy="1076325"/>
           </a:xfrm>
           <a:prstGeom prst="rect">
@@ -13717,7 +13717,7 @@
         </p:nvSpPr>
         <p:spPr>
           <a:xfrm>
-            <a:off x="325603" y="10742709"/>
+            <a:off x="125578" y="10735460"/>
             <a:ext cx="2950940" cy="1853253"/>
           </a:xfrm>
           <a:prstGeom prst="wedgeRectCallout">
@@ -13865,14 +13865,14 @@
           <p:nvPr>
             <p:extLst>
               <p:ext uri="{D42A27DB-BD31-4B8C-83A1-F6EECF244321}">
-                <p14:modId xmlns:p14="http://schemas.microsoft.com/office/powerpoint/2010/main" val="1102571619"/>
+                <p14:modId xmlns:p14="http://schemas.microsoft.com/office/powerpoint/2010/main" val="1334213202"/>
               </p:ext>
             </p:extLst>
           </p:nvPr>
         </p:nvGraphicFramePr>
         <p:xfrm>
-          <a:off x="4892079" y="10079035"/>
-          <a:ext cx="5771241" cy="2444357"/>
+          <a:off x="4692059" y="10071786"/>
+          <a:ext cx="5774059" cy="2444357"/>
         </p:xfrm>
         <a:graphic>
           <a:graphicData uri="http://schemas.openxmlformats.org/drawingml/2006/table">
@@ -13937,7 +13937,7 @@
                     </a:ext>
                   </a:extLst>
                 </a:gridCol>
-                <a:gridCol w="208280">
+                <a:gridCol w="211098">
                   <a:extLst>
                     <a:ext uri="{9D8B030D-6E8A-4147-A177-3AD203B41FA5}">
                       <a16:colId xmlns:a16="http://schemas.microsoft.com/office/drawing/2014/main" val="3202945256"/>
@@ -14839,7 +14839,7 @@
         </p:nvSpPr>
         <p:spPr>
           <a:xfrm>
-            <a:off x="10723444" y="11263223"/>
+            <a:off x="10523419" y="11255973"/>
             <a:ext cx="1257298" cy="668215"/>
           </a:xfrm>
           <a:prstGeom prst="rightArrow">
@@ -14907,14 +14907,14 @@
           <p:nvPr>
             <p:extLst>
               <p:ext uri="{D42A27DB-BD31-4B8C-83A1-F6EECF244321}">
-                <p14:modId xmlns:p14="http://schemas.microsoft.com/office/powerpoint/2010/main" val="2649811854"/>
+                <p14:modId xmlns:p14="http://schemas.microsoft.com/office/powerpoint/2010/main" val="1335370833"/>
               </p:ext>
             </p:extLst>
           </p:nvPr>
         </p:nvGraphicFramePr>
         <p:xfrm>
-          <a:off x="12058708" y="10083850"/>
-          <a:ext cx="1659121" cy="2370559"/>
+          <a:off x="11858684" y="10076597"/>
+          <a:ext cx="1659122" cy="2390716"/>
         </p:xfrm>
         <a:graphic>
           <a:graphicData uri="http://schemas.openxmlformats.org/drawingml/2006/table">
@@ -14923,7 +14923,7 @@
                 <a:tableStyleId>{5C22544A-7EE6-4342-B048-85BDC9FD1C3A}</a:tableStyleId>
               </a:tblPr>
               <a:tblGrid>
-                <a:gridCol w="922143">
+                <a:gridCol w="922144">
                   <a:extLst>
                     <a:ext uri="{9D8B030D-6E8A-4147-A177-3AD203B41FA5}">
                       <a16:colId xmlns:a16="http://schemas.microsoft.com/office/drawing/2014/main" val="788060232"/>
@@ -14983,7 +14983,7 @@
                   </a:ext>
                 </a:extLst>
               </a:tr>
-              <a:tr h="422805">
+              <a:tr h="463919">
                 <a:tc>
                   <a:txBody>
                     <a:bodyPr/>
@@ -15023,7 +15023,7 @@
                   </a:ext>
                 </a:extLst>
               </a:tr>
-              <a:tr h="422805">
+              <a:tr h="463919">
                 <a:tc>
                   <a:txBody>
                     <a:bodyPr/>
@@ -15110,7 +15110,7 @@
                   </a:ext>
                 </a:extLst>
               </a:tr>
-              <a:tr h="422805">
+              <a:tr h="463919">
                 <a:tc>
                   <a:txBody>
                     <a:bodyPr/>
@@ -15179,13 +15179,13 @@
           <p:nvPr>
             <p:extLst>
               <p:ext uri="{D42A27DB-BD31-4B8C-83A1-F6EECF244321}">
-                <p14:modId xmlns:p14="http://schemas.microsoft.com/office/powerpoint/2010/main" val="4013539840"/>
+                <p14:modId xmlns:p14="http://schemas.microsoft.com/office/powerpoint/2010/main" val="4257101440"/>
               </p:ext>
             </p:extLst>
           </p:nvPr>
         </p:nvGraphicFramePr>
         <p:xfrm>
-          <a:off x="3533776" y="10089189"/>
+          <a:off x="3333751" y="10081936"/>
           <a:ext cx="989544" cy="2444356"/>
         </p:xfrm>
         <a:graphic>
@@ -15386,7 +15386,7 @@
         </p:blipFill>
         <p:spPr bwMode="auto">
           <a:xfrm>
-            <a:off x="12100806" y="52360"/>
+            <a:off x="10523419" y="108427"/>
             <a:ext cx="3623616" cy="836219"/>
           </a:xfrm>
           <a:prstGeom prst="rect">
@@ -15418,7 +15418,7 @@
         </p:nvSpPr>
         <p:spPr>
           <a:xfrm>
-            <a:off x="2079840" y="9761240"/>
+            <a:off x="1879819" y="9753987"/>
             <a:ext cx="3652219" cy="369332"/>
           </a:xfrm>
           <a:prstGeom prst="rect">
@@ -15434,19 +15434,7 @@
           <a:p>
             <a:r>
               <a:rPr lang="nl-NL" dirty="0"/>
-              <a:t>Forecast @ </a:t>
-            </a:r>
-            <a:r>
-              <a:rPr lang="nl-NL" sz="1800" dirty="0"/>
-              <a:t>2023-02-03 </a:t>
-            </a:r>
-            <a:r>
-              <a:rPr lang="nl-NL" dirty="0"/>
-              <a:t>06</a:t>
-            </a:r>
-            <a:r>
-              <a:rPr lang="nl-NL" sz="1800" dirty="0"/>
-              <a:t>:50:00Z</a:t>
+              <a:t>Forecast @ 2023-02-03 06:50:00Z</a:t>
             </a:r>
           </a:p>
         </p:txBody>
@@ -15505,7 +15493,7 @@
           </p:nvPr>
         </p:nvGraphicFramePr>
         <p:xfrm>
-          <a:off x="-1513924" y="2111847"/>
+          <a:off x="-2323549" y="1211735"/>
           <a:ext cx="12536827" cy="7805244"/>
         </p:xfrm>
         <a:graphic>
@@ -15598,7 +15586,7 @@
         </p:blipFill>
         <p:spPr>
           <a:xfrm>
-            <a:off x="-118596" y="4753155"/>
+            <a:off x="-928220" y="3853047"/>
             <a:ext cx="16469916" cy="6245419"/>
           </a:xfrm>
         </p:spPr>
